--- a/Crypto Presentation.pptx
+++ b/Crypto Presentation.pptx
@@ -20601,7 +20601,7 @@
                 <a:solidFill>
                   <a:srgbClr val="FF0000"/>
                 </a:solidFill>
-                <a:hlinkClick r:id="rId1" tooltip="" action="ppaction://hlinkfile">
+                <a:hlinkClick r:id="rId1" action="ppaction://hlinkfile">
                   <a:extLst>
                     <a:ext uri="{DAF060AB-1E55-43B9-8AAB-6FB025537F2F}">
                       <wpsdc:hlinkClr xmlns:wpsdc="http://www.wps.cn/officeDocument/2017/drawingmlCustomData" val="0D0D0D"/>
@@ -20617,7 +20617,7 @@
               <a:solidFill>
                 <a:srgbClr val="FF0000"/>
               </a:solidFill>
-              <a:hlinkClick r:id="rId1" tooltip="" action="ppaction://hlinkfile">
+              <a:hlinkClick r:id="rId1" action="ppaction://hlinkfile">
                 <a:extLst>
                   <a:ext uri="{DAF060AB-1E55-43B9-8AAB-6FB025537F2F}">
                     <wpsdc:hlinkClr xmlns:wpsdc="http://www.wps.cn/officeDocument/2017/drawingmlCustomData" val="0D0D0D"/>
@@ -21031,6 +21031,350 @@
               <a:t>=?</a:t>
             </a:r>
             <a:endParaRPr lang="en-US"/>
+          </a:p>
+        </p:txBody>
+      </p:sp>
+      <p:pic>
+        <p:nvPicPr>
+          <p:cNvPr id="2" name="Picture 1" descr="BTC"/>
+          <p:cNvPicPr>
+            <a:picLocks noChangeAspect="1"/>
+          </p:cNvPicPr>
+          <p:nvPr/>
+        </p:nvPicPr>
+        <p:blipFill>
+          <a:blip r:embed="rId7"/>
+          <a:stretch>
+            <a:fillRect/>
+          </a:stretch>
+        </p:blipFill>
+        <p:spPr>
+          <a:xfrm>
+            <a:off x="609600" y="3578860"/>
+            <a:ext cx="609600" cy="609600"/>
+          </a:xfrm>
+          <a:prstGeom prst="rect">
+            <a:avLst/>
+          </a:prstGeom>
+        </p:spPr>
+      </p:pic>
+      <p:sp>
+        <p:nvSpPr>
+          <p:cNvPr id="3" name="Text Box 2"/>
+          <p:cNvSpPr txBox="1"/>
+          <p:nvPr/>
+        </p:nvSpPr>
+        <p:spPr>
+          <a:xfrm>
+            <a:off x="6900545" y="2736215"/>
+            <a:ext cx="436880" cy="645160"/>
+          </a:xfrm>
+          <a:prstGeom prst="rect">
+            <a:avLst/>
+          </a:prstGeom>
+          <a:noFill/>
+        </p:spPr>
+        <p:txBody>
+          <a:bodyPr wrap="none" rtlCol="0">
+            <a:spAutoFit/>
+          </a:bodyPr>
+          <a:p>
+            <a:r>
+              <a:rPr lang="en-US" sz="3600">
+                <a:solidFill>
+                  <a:schemeClr val="bg1"/>
+                </a:solidFill>
+              </a:rPr>
+              <a:t>$</a:t>
+            </a:r>
+            <a:endParaRPr lang="en-US" sz="3600">
+              <a:solidFill>
+                <a:schemeClr val="bg1"/>
+              </a:solidFill>
+            </a:endParaRPr>
+          </a:p>
+        </p:txBody>
+      </p:sp>
+      <p:sp>
+        <p:nvSpPr>
+          <p:cNvPr id="5" name="Title 6"/>
+          <p:cNvSpPr/>
+          <p:nvPr/>
+        </p:nvSpPr>
+        <p:spPr>
+          <a:xfrm>
+            <a:off x="609600" y="3924300"/>
+            <a:ext cx="3275965" cy="878840"/>
+          </a:xfrm>
+          <a:prstGeom prst="rect">
+            <a:avLst/>
+          </a:prstGeom>
+          <a:noFill/>
+          <a:ln>
+            <a:noFill/>
+          </a:ln>
+        </p:spPr>
+        <p:txBody>
+          <a:bodyPr wrap="square" lIns="91425" tIns="91425" rIns="91425" bIns="91425" anchor="b" anchorCtr="0">
+            <a:noAutofit/>
+          </a:bodyPr>
+          <a:lstStyle>
+            <a:defPPr marR="0" lvl="0" algn="l" rtl="0">
+              <a:lnSpc>
+                <a:spcPct val="100000"/>
+              </a:lnSpc>
+              <a:spcBef>
+                <a:spcPts val="0"/>
+              </a:spcBef>
+              <a:spcAft>
+                <a:spcPts val="0"/>
+              </a:spcAft>
+            </a:defPPr>
+            <a:lvl1pPr marR="0" lvl="0" algn="ctr" rtl="0">
+              <a:lnSpc>
+                <a:spcPct val="100000"/>
+              </a:lnSpc>
+              <a:spcBef>
+                <a:spcPts val="0"/>
+              </a:spcBef>
+              <a:spcAft>
+                <a:spcPts val="0"/>
+              </a:spcAft>
+              <a:buClr>
+                <a:schemeClr val="lt1"/>
+              </a:buClr>
+              <a:buSzPts val="3200"/>
+              <a:buFont typeface="Montserrat"/>
+              <a:buNone/>
+              <a:defRPr sz="4265" b="1" i="0" u="none" strike="noStrike" cap="none">
+                <a:solidFill>
+                  <a:schemeClr val="lt1"/>
+                </a:solidFill>
+                <a:latin typeface="Montserrat"/>
+                <a:ea typeface="Montserrat"/>
+                <a:cs typeface="Montserrat"/>
+                <a:sym typeface="Montserrat"/>
+              </a:defRPr>
+            </a:lvl1pPr>
+            <a:lvl2pPr marR="0" lvl="1" algn="ctr" rtl="0">
+              <a:lnSpc>
+                <a:spcPct val="100000"/>
+              </a:lnSpc>
+              <a:spcBef>
+                <a:spcPts val="0"/>
+              </a:spcBef>
+              <a:spcAft>
+                <a:spcPts val="0"/>
+              </a:spcAft>
+              <a:buClr>
+                <a:schemeClr val="lt1"/>
+              </a:buClr>
+              <a:buSzPts val="3200"/>
+              <a:buFont typeface="Montserrat"/>
+              <a:buNone/>
+              <a:defRPr sz="4265" b="1" i="0" u="none" strike="noStrike" cap="none">
+                <a:solidFill>
+                  <a:schemeClr val="lt1"/>
+                </a:solidFill>
+                <a:latin typeface="Montserrat"/>
+                <a:ea typeface="Montserrat"/>
+                <a:cs typeface="Montserrat"/>
+                <a:sym typeface="Montserrat"/>
+              </a:defRPr>
+            </a:lvl2pPr>
+            <a:lvl3pPr marR="0" lvl="2" algn="ctr" rtl="0">
+              <a:lnSpc>
+                <a:spcPct val="100000"/>
+              </a:lnSpc>
+              <a:spcBef>
+                <a:spcPts val="0"/>
+              </a:spcBef>
+              <a:spcAft>
+                <a:spcPts val="0"/>
+              </a:spcAft>
+              <a:buClr>
+                <a:schemeClr val="lt1"/>
+              </a:buClr>
+              <a:buSzPts val="3200"/>
+              <a:buFont typeface="Montserrat"/>
+              <a:buNone/>
+              <a:defRPr sz="4265" b="1" i="0" u="none" strike="noStrike" cap="none">
+                <a:solidFill>
+                  <a:schemeClr val="lt1"/>
+                </a:solidFill>
+                <a:latin typeface="Montserrat"/>
+                <a:ea typeface="Montserrat"/>
+                <a:cs typeface="Montserrat"/>
+                <a:sym typeface="Montserrat"/>
+              </a:defRPr>
+            </a:lvl3pPr>
+            <a:lvl4pPr marR="0" lvl="3" algn="ctr" rtl="0">
+              <a:lnSpc>
+                <a:spcPct val="100000"/>
+              </a:lnSpc>
+              <a:spcBef>
+                <a:spcPts val="0"/>
+              </a:spcBef>
+              <a:spcAft>
+                <a:spcPts val="0"/>
+              </a:spcAft>
+              <a:buClr>
+                <a:schemeClr val="lt1"/>
+              </a:buClr>
+              <a:buSzPts val="3200"/>
+              <a:buFont typeface="Montserrat"/>
+              <a:buNone/>
+              <a:defRPr sz="4265" b="1" i="0" u="none" strike="noStrike" cap="none">
+                <a:solidFill>
+                  <a:schemeClr val="lt1"/>
+                </a:solidFill>
+                <a:latin typeface="Montserrat"/>
+                <a:ea typeface="Montserrat"/>
+                <a:cs typeface="Montserrat"/>
+                <a:sym typeface="Montserrat"/>
+              </a:defRPr>
+            </a:lvl4pPr>
+            <a:lvl5pPr marR="0" lvl="4" algn="ctr" rtl="0">
+              <a:lnSpc>
+                <a:spcPct val="100000"/>
+              </a:lnSpc>
+              <a:spcBef>
+                <a:spcPts val="0"/>
+              </a:spcBef>
+              <a:spcAft>
+                <a:spcPts val="0"/>
+              </a:spcAft>
+              <a:buClr>
+                <a:schemeClr val="lt1"/>
+              </a:buClr>
+              <a:buSzPts val="3200"/>
+              <a:buFont typeface="Montserrat"/>
+              <a:buNone/>
+              <a:defRPr sz="4265" b="1" i="0" u="none" strike="noStrike" cap="none">
+                <a:solidFill>
+                  <a:schemeClr val="lt1"/>
+                </a:solidFill>
+                <a:latin typeface="Montserrat"/>
+                <a:ea typeface="Montserrat"/>
+                <a:cs typeface="Montserrat"/>
+                <a:sym typeface="Montserrat"/>
+              </a:defRPr>
+            </a:lvl5pPr>
+            <a:lvl6pPr marR="0" lvl="5" algn="ctr" rtl="0">
+              <a:lnSpc>
+                <a:spcPct val="100000"/>
+              </a:lnSpc>
+              <a:spcBef>
+                <a:spcPts val="0"/>
+              </a:spcBef>
+              <a:spcAft>
+                <a:spcPts val="0"/>
+              </a:spcAft>
+              <a:buClr>
+                <a:schemeClr val="lt1"/>
+              </a:buClr>
+              <a:buSzPts val="3200"/>
+              <a:buFont typeface="Montserrat"/>
+              <a:buNone/>
+              <a:defRPr sz="4265" b="1" i="0" u="none" strike="noStrike" cap="none">
+                <a:solidFill>
+                  <a:schemeClr val="lt1"/>
+                </a:solidFill>
+                <a:latin typeface="Montserrat"/>
+                <a:ea typeface="Montserrat"/>
+                <a:cs typeface="Montserrat"/>
+                <a:sym typeface="Montserrat"/>
+              </a:defRPr>
+            </a:lvl6pPr>
+            <a:lvl7pPr marR="0" lvl="6" algn="ctr" rtl="0">
+              <a:lnSpc>
+                <a:spcPct val="100000"/>
+              </a:lnSpc>
+              <a:spcBef>
+                <a:spcPts val="0"/>
+              </a:spcBef>
+              <a:spcAft>
+                <a:spcPts val="0"/>
+              </a:spcAft>
+              <a:buClr>
+                <a:schemeClr val="lt1"/>
+              </a:buClr>
+              <a:buSzPts val="3200"/>
+              <a:buFont typeface="Montserrat"/>
+              <a:buNone/>
+              <a:defRPr sz="4265" b="1" i="0" u="none" strike="noStrike" cap="none">
+                <a:solidFill>
+                  <a:schemeClr val="lt1"/>
+                </a:solidFill>
+                <a:latin typeface="Montserrat"/>
+                <a:ea typeface="Montserrat"/>
+                <a:cs typeface="Montserrat"/>
+                <a:sym typeface="Montserrat"/>
+              </a:defRPr>
+            </a:lvl7pPr>
+            <a:lvl8pPr marR="0" lvl="7" algn="ctr" rtl="0">
+              <a:lnSpc>
+                <a:spcPct val="100000"/>
+              </a:lnSpc>
+              <a:spcBef>
+                <a:spcPts val="0"/>
+              </a:spcBef>
+              <a:spcAft>
+                <a:spcPts val="0"/>
+              </a:spcAft>
+              <a:buClr>
+                <a:schemeClr val="lt1"/>
+              </a:buClr>
+              <a:buSzPts val="3200"/>
+              <a:buFont typeface="Montserrat"/>
+              <a:buNone/>
+              <a:defRPr sz="4265" b="1" i="0" u="none" strike="noStrike" cap="none">
+                <a:solidFill>
+                  <a:schemeClr val="lt1"/>
+                </a:solidFill>
+                <a:latin typeface="Montserrat"/>
+                <a:ea typeface="Montserrat"/>
+                <a:cs typeface="Montserrat"/>
+                <a:sym typeface="Montserrat"/>
+              </a:defRPr>
+            </a:lvl8pPr>
+            <a:lvl9pPr marR="0" lvl="8" algn="ctr" rtl="0">
+              <a:lnSpc>
+                <a:spcPct val="100000"/>
+              </a:lnSpc>
+              <a:spcBef>
+                <a:spcPts val="0"/>
+              </a:spcBef>
+              <a:spcAft>
+                <a:spcPts val="0"/>
+              </a:spcAft>
+              <a:buClr>
+                <a:schemeClr val="lt1"/>
+              </a:buClr>
+              <a:buSzPts val="3200"/>
+              <a:buFont typeface="Montserrat"/>
+              <a:buNone/>
+              <a:defRPr sz="4265" b="1" i="0" u="none" strike="noStrike" cap="none">
+                <a:solidFill>
+                  <a:schemeClr val="lt1"/>
+                </a:solidFill>
+                <a:latin typeface="Montserrat"/>
+                <a:ea typeface="Montserrat"/>
+                <a:cs typeface="Montserrat"/>
+                <a:sym typeface="Montserrat"/>
+              </a:defRPr>
+            </a:lvl9pPr>
+          </a:lstStyle>
+          <a:p>
+            <a:pPr marL="342900" indent="-342900" algn="l">
+              <a:buFont typeface="Arial" panose="020B0604020202020204" pitchFamily="34" charset="0"/>
+              <a:buChar char="•"/>
+            </a:pPr>
+            <a:r>
+              <a:rPr lang="en-US" sz="2000"/>
+              <a:t>BTC max = 21mil.</a:t>
+            </a:r>
+            <a:endParaRPr lang="en-US" sz="2000"/>
           </a:p>
         </p:txBody>
       </p:sp>
@@ -22470,7 +22814,7 @@
           <a:p>
             <a:r>
               <a:rPr lang="en-US">
-                <a:hlinkClick r:id="rId1" tooltip="" action="ppaction://hlinkfile"/>
+                <a:hlinkClick r:id="rId1" action="ppaction://hlinkfile"/>
               </a:rPr>
               <a:t>https://bitinfocharts.com/comparison/transactionfees-btc-eth.html#3m</a:t>
             </a:r>
@@ -22669,7 +23013,7 @@
           <a:p>
             <a:r>
               <a:rPr lang="en-US">
-                <a:hlinkClick r:id="rId2" tooltip="" action="ppaction://hlinkfile"/>
+                <a:hlinkClick r:id="rId2" action="ppaction://hlinkfile"/>
               </a:rPr>
               <a:t>https://docs.google.com/spreadsheets/d/1m89CVujrQe5LAFJ8-YAUCcNK950dUzMQPMJBxRtGCqs/edit#gid=0</a:t>
             </a:r>
